--- a/Summary of reanalyses for PD.pptx
+++ b/Summary of reanalyses for PD.pptx
@@ -112,6 +112,11 @@
       </a:defRPr>
     </a:lvl9pPr>
   </p:defaultTextStyle>
+  <p:extLst>
+    <p:ext uri="{EFAFB233-063F-42B5-8137-9DF3F51BA10A}">
+      <p15:sldGuideLst xmlns:p15="http://schemas.microsoft.com/office/powerpoint/2012/main"/>
+    </p:ext>
+  </p:extLst>
 </p:presentation>
 </file>
 
@@ -264,7 +269,7 @@
           <a:p>
             <a:fld id="{982B6279-C380-DC42-B649-505983C9F798}" type="datetimeFigureOut">
               <a:rPr lang="en-US" smtClean="0"/>
-              <a:t>8/23/21</a:t>
+              <a:t>8/24/21</a:t>
             </a:fld>
             <a:endParaRPr lang="en-US"/>
           </a:p>
@@ -464,7 +469,7 @@
           <a:p>
             <a:fld id="{982B6279-C380-DC42-B649-505983C9F798}" type="datetimeFigureOut">
               <a:rPr lang="en-US" smtClean="0"/>
-              <a:t>8/23/21</a:t>
+              <a:t>8/24/21</a:t>
             </a:fld>
             <a:endParaRPr lang="en-US"/>
           </a:p>
@@ -674,7 +679,7 @@
           <a:p>
             <a:fld id="{982B6279-C380-DC42-B649-505983C9F798}" type="datetimeFigureOut">
               <a:rPr lang="en-US" smtClean="0"/>
-              <a:t>8/23/21</a:t>
+              <a:t>8/24/21</a:t>
             </a:fld>
             <a:endParaRPr lang="en-US"/>
           </a:p>
@@ -874,7 +879,7 @@
           <a:p>
             <a:fld id="{982B6279-C380-DC42-B649-505983C9F798}" type="datetimeFigureOut">
               <a:rPr lang="en-US" smtClean="0"/>
-              <a:t>8/23/21</a:t>
+              <a:t>8/24/21</a:t>
             </a:fld>
             <a:endParaRPr lang="en-US"/>
           </a:p>
@@ -1150,7 +1155,7 @@
           <a:p>
             <a:fld id="{982B6279-C380-DC42-B649-505983C9F798}" type="datetimeFigureOut">
               <a:rPr lang="en-US" smtClean="0"/>
-              <a:t>8/23/21</a:t>
+              <a:t>8/24/21</a:t>
             </a:fld>
             <a:endParaRPr lang="en-US"/>
           </a:p>
@@ -1418,7 +1423,7 @@
           <a:p>
             <a:fld id="{982B6279-C380-DC42-B649-505983C9F798}" type="datetimeFigureOut">
               <a:rPr lang="en-US" smtClean="0"/>
-              <a:t>8/23/21</a:t>
+              <a:t>8/24/21</a:t>
             </a:fld>
             <a:endParaRPr lang="en-US"/>
           </a:p>
@@ -1833,7 +1838,7 @@
           <a:p>
             <a:fld id="{982B6279-C380-DC42-B649-505983C9F798}" type="datetimeFigureOut">
               <a:rPr lang="en-US" smtClean="0"/>
-              <a:t>8/23/21</a:t>
+              <a:t>8/24/21</a:t>
             </a:fld>
             <a:endParaRPr lang="en-US"/>
           </a:p>
@@ -1975,7 +1980,7 @@
           <a:p>
             <a:fld id="{982B6279-C380-DC42-B649-505983C9F798}" type="datetimeFigureOut">
               <a:rPr lang="en-US" smtClean="0"/>
-              <a:t>8/23/21</a:t>
+              <a:t>8/24/21</a:t>
             </a:fld>
             <a:endParaRPr lang="en-US"/>
           </a:p>
@@ -2088,7 +2093,7 @@
           <a:p>
             <a:fld id="{982B6279-C380-DC42-B649-505983C9F798}" type="datetimeFigureOut">
               <a:rPr lang="en-US" smtClean="0"/>
-              <a:t>8/23/21</a:t>
+              <a:t>8/24/21</a:t>
             </a:fld>
             <a:endParaRPr lang="en-US"/>
           </a:p>
@@ -2401,7 +2406,7 @@
           <a:p>
             <a:fld id="{982B6279-C380-DC42-B649-505983C9F798}" type="datetimeFigureOut">
               <a:rPr lang="en-US" smtClean="0"/>
-              <a:t>8/23/21</a:t>
+              <a:t>8/24/21</a:t>
             </a:fld>
             <a:endParaRPr lang="en-US"/>
           </a:p>
@@ -2690,7 +2695,7 @@
           <a:p>
             <a:fld id="{982B6279-C380-DC42-B649-505983C9F798}" type="datetimeFigureOut">
               <a:rPr lang="en-US" smtClean="0"/>
-              <a:t>8/23/21</a:t>
+              <a:t>8/24/21</a:t>
             </a:fld>
             <a:endParaRPr lang="en-US"/>
           </a:p>
@@ -2933,7 +2938,7 @@
           <a:p>
             <a:fld id="{982B6279-C380-DC42-B649-505983C9F798}" type="datetimeFigureOut">
               <a:rPr lang="en-US" smtClean="0"/>
-              <a:t>8/23/21</a:t>
+              <a:t>8/24/21</a:t>
             </a:fld>
             <a:endParaRPr lang="en-US"/>
           </a:p>
@@ -3366,18 +3371,44 @@
             <p:ph type="ctrTitle"/>
           </p:nvPr>
         </p:nvSpPr>
-        <p:spPr/>
+        <p:spPr>
+          <a:xfrm>
+            <a:off x="1524000" y="1122363"/>
+            <a:ext cx="9144000" cy="3775458"/>
+          </a:xfrm>
+        </p:spPr>
         <p:txBody>
           <a:bodyPr>
-            <a:normAutofit fontScale="90000"/>
+            <a:normAutofit/>
           </a:bodyPr>
           <a:lstStyle/>
           <a:p>
             <a:r>
-              <a:rPr lang="en-US" dirty="0">
+              <a:rPr lang="en-US" sz="3600" dirty="0">
                 <a:latin typeface="Palatino Linotype" panose="02040502050505030304" pitchFamily="18" charset="0"/>
               </a:rPr>
-              <a:t>Re-analysis of monkey behavioural data on final version of Koechlin task</a:t>
+              <a:t>Re-analysis of monkey behavioural data on Koechlin task for human AI project</a:t>
+            </a:r>
+            <a:br>
+              <a:rPr lang="en-US" sz="3600" dirty="0">
+                <a:latin typeface="Palatino Linotype" panose="02040502050505030304" pitchFamily="18" charset="0"/>
+              </a:rPr>
+            </a:br>
+            <a:br>
+              <a:rPr lang="en-US" sz="3600" dirty="0">
+                <a:latin typeface="Palatino Linotype" panose="02040502050505030304" pitchFamily="18" charset="0"/>
+              </a:rPr>
+            </a:br>
+            <a:br>
+              <a:rPr lang="en-US" sz="3600" dirty="0">
+                <a:latin typeface="Palatino Linotype" panose="02040502050505030304" pitchFamily="18" charset="0"/>
+              </a:rPr>
+            </a:br>
+            <a:r>
+              <a:rPr lang="en-US" sz="3600" dirty="0">
+                <a:latin typeface="Palatino Linotype" panose="02040502050505030304" pitchFamily="18" charset="0"/>
+              </a:rPr>
+              <a:t>July 2021</a:t>
             </a:r>
           </a:p>
         </p:txBody>
@@ -3458,121 +3489,170 @@
             <p:ph idx="1"/>
           </p:nvPr>
         </p:nvSpPr>
-        <p:spPr/>
+        <p:spPr>
+          <a:xfrm>
+            <a:off x="838200" y="1825625"/>
+            <a:ext cx="10515600" cy="4837934"/>
+          </a:xfrm>
+        </p:spPr>
         <p:txBody>
           <a:bodyPr>
-            <a:normAutofit fontScale="62500" lnSpcReduction="20000"/>
+            <a:normAutofit fontScale="47500" lnSpcReduction="20000"/>
           </a:bodyPr>
           <a:lstStyle/>
           <a:p>
-            <a:r>
-              <a:rPr lang="en-US" dirty="0" err="1">
-                <a:latin typeface="Palatino Linotype" panose="02040502050505030304" pitchFamily="18" charset="0"/>
+            <a:pPr>
+              <a:lnSpc>
+                <a:spcPct val="170000"/>
+              </a:lnSpc>
+            </a:pPr>
+            <a:r>
+              <a:rPr lang="en-US" sz="2900" dirty="0" err="1">
+                <a:latin typeface="Book Antiqua" panose="02040602050305030304" pitchFamily="18" charset="0"/>
               </a:rPr>
               <a:t>Filipowicz</a:t>
             </a:r>
             <a:r>
-              <a:rPr lang="en-GB" dirty="0">
-                <a:latin typeface="Palatino Linotype" panose="02040502050505030304" pitchFamily="18" charset="0"/>
+              <a:rPr lang="en-GB" sz="2900" dirty="0">
+                <a:latin typeface="Book Antiqua" panose="02040602050305030304" pitchFamily="18" charset="0"/>
               </a:rPr>
               <a:t>, Domenech et al have interesting data from AI lesioned patients with the human ”Koechlin task”</a:t>
             </a:r>
           </a:p>
           <a:p>
-            <a:r>
-              <a:rPr lang="en-GB" dirty="0">
-                <a:latin typeface="Palatino Linotype" panose="02040502050505030304" pitchFamily="18" charset="0"/>
+            <a:pPr>
+              <a:lnSpc>
+                <a:spcPct val="170000"/>
+              </a:lnSpc>
+            </a:pPr>
+            <a:r>
+              <a:rPr lang="en-GB" sz="2900" dirty="0">
+                <a:latin typeface="Book Antiqua" panose="02040602050305030304" pitchFamily="18" charset="0"/>
               </a:rPr>
-              <a:t>In particular they dissociate “Good” and “Bad” learners</a:t>
-            </a:r>
-          </a:p>
-          <a:p>
-            <a:r>
-              <a:rPr lang="en-GB" dirty="0">
-                <a:latin typeface="Palatino Linotype" panose="02040502050505030304" pitchFamily="18" charset="0"/>
+              <a:t>In particular, they dissociate “Good” and “Bad” learners</a:t>
+            </a:r>
+          </a:p>
+          <a:p>
+            <a:pPr>
+              <a:lnSpc>
+                <a:spcPct val="170000"/>
+              </a:lnSpc>
+            </a:pPr>
+            <a:r>
+              <a:rPr lang="en-GB" sz="2900" dirty="0">
+                <a:latin typeface="Book Antiqua" panose="02040602050305030304" pitchFamily="18" charset="0"/>
               </a:rPr>
               <a:t>Bad learners appeared to reset parts of their beliefs after –</a:t>
             </a:r>
             <a:r>
-              <a:rPr lang="en-GB" dirty="0" err="1">
-                <a:latin typeface="Palatino Linotype" panose="02040502050505030304" pitchFamily="18" charset="0"/>
+              <a:rPr lang="en-GB" sz="2900" dirty="0" err="1">
+                <a:latin typeface="Book Antiqua" panose="02040602050305030304" pitchFamily="18" charset="0"/>
               </a:rPr>
               <a:t>ve</a:t>
             </a:r>
             <a:r>
-              <a:rPr lang="en-GB" dirty="0">
-                <a:latin typeface="Palatino Linotype" panose="02040502050505030304" pitchFamily="18" charset="0"/>
+              <a:rPr lang="en-GB" sz="2900" dirty="0">
+                <a:latin typeface="Book Antiqua" panose="02040602050305030304" pitchFamily="18" charset="0"/>
               </a:rPr>
               <a:t> feedback</a:t>
             </a:r>
           </a:p>
           <a:p>
-            <a:r>
-              <a:rPr lang="en-GB" dirty="0">
-                <a:latin typeface="Palatino Linotype" panose="02040502050505030304" pitchFamily="18" charset="0"/>
+            <a:pPr>
+              <a:lnSpc>
+                <a:spcPct val="170000"/>
+              </a:lnSpc>
+            </a:pPr>
+            <a:r>
+              <a:rPr lang="en-GB" sz="2900" dirty="0">
+                <a:latin typeface="Book Antiqua" panose="02040602050305030304" pitchFamily="18" charset="0"/>
               </a:rPr>
-              <a:t>In particular they showed a striking effect following “Negative traps” (in the manuscripts this is Traps on correctly responded trials that therefore gained –</a:t>
-            </a:r>
-            <a:r>
-              <a:rPr lang="en-GB" dirty="0" err="1">
-                <a:latin typeface="Palatino Linotype" panose="02040502050505030304" pitchFamily="18" charset="0"/>
+              <a:t>In particular they showed a striking effect following “Negative traps” (in the manuscript this is Traps on correctly responded trials that therefore gained –</a:t>
+            </a:r>
+            <a:r>
+              <a:rPr lang="en-GB" sz="2900" dirty="0" err="1">
+                <a:latin typeface="Book Antiqua" panose="02040602050305030304" pitchFamily="18" charset="0"/>
               </a:rPr>
               <a:t>ve</a:t>
             </a:r>
             <a:r>
-              <a:rPr lang="en-GB" dirty="0">
-                <a:latin typeface="Palatino Linotype" panose="02040502050505030304" pitchFamily="18" charset="0"/>
+              <a:rPr lang="en-GB" sz="2900" dirty="0">
+                <a:latin typeface="Book Antiqua" panose="02040602050305030304" pitchFamily="18" charset="0"/>
               </a:rPr>
               <a:t> FB).</a:t>
             </a:r>
           </a:p>
           <a:p>
-            <a:r>
-              <a:rPr lang="en-GB" dirty="0">
-                <a:latin typeface="Palatino Linotype" panose="02040502050505030304" pitchFamily="18" charset="0"/>
+            <a:pPr>
+              <a:lnSpc>
+                <a:spcPct val="170000"/>
+              </a:lnSpc>
+            </a:pPr>
+            <a:r>
+              <a:rPr lang="en-GB" sz="2900" dirty="0">
+                <a:latin typeface="Book Antiqua" panose="02040602050305030304" pitchFamily="18" charset="0"/>
               </a:rPr>
               <a:t>This reset was the case regardless of how much they had been recently rewarded for choices on that stimulus</a:t>
             </a:r>
           </a:p>
           <a:p>
-            <a:r>
-              <a:rPr lang="en-GB" dirty="0">
-                <a:latin typeface="Palatino Linotype" panose="02040502050505030304" pitchFamily="18" charset="0"/>
+            <a:pPr>
+              <a:lnSpc>
+                <a:spcPct val="170000"/>
+              </a:lnSpc>
+            </a:pPr>
+            <a:r>
+              <a:rPr lang="en-GB" sz="2900" dirty="0">
+                <a:latin typeface="Book Antiqua" panose="02040602050305030304" pitchFamily="18" charset="0"/>
               </a:rPr>
               <a:t>In the paper they link the poor learning to a lesion overlap in the AI</a:t>
             </a:r>
           </a:p>
           <a:p>
-            <a:endParaRPr lang="en-GB" dirty="0">
-              <a:latin typeface="Palatino Linotype" panose="02040502050505030304" pitchFamily="18" charset="0"/>
-            </a:endParaRPr>
-          </a:p>
-          <a:p>
-            <a:endParaRPr lang="en-GB" dirty="0">
-              <a:latin typeface="Palatino Linotype" panose="02040502050505030304" pitchFamily="18" charset="0"/>
-            </a:endParaRPr>
-          </a:p>
-          <a:p>
-            <a:r>
-              <a:rPr lang="en-GB" dirty="0">
+            <a:pPr marL="0" indent="0" algn="ctr">
+              <a:lnSpc>
+                <a:spcPct val="170000"/>
+              </a:lnSpc>
+              <a:buNone/>
+            </a:pPr>
+            <a:r>
+              <a:rPr lang="en-GB" sz="2900" dirty="0">
+                <a:latin typeface="Book Antiqua" panose="02040602050305030304" pitchFamily="18" charset="0"/>
+              </a:rPr>
+              <a:t>***</a:t>
+            </a:r>
+          </a:p>
+          <a:p>
+            <a:pPr>
+              <a:lnSpc>
+                <a:spcPct val="170000"/>
+              </a:lnSpc>
+            </a:pPr>
+            <a:r>
+              <a:rPr lang="en-GB" sz="2900" dirty="0">
                 <a:solidFill>
                   <a:srgbClr val="0070C0"/>
                 </a:solidFill>
-                <a:latin typeface="Palatino Linotype" panose="02040502050505030304" pitchFamily="18" charset="0"/>
+                <a:latin typeface="Book Antiqua" panose="02040602050305030304" pitchFamily="18" charset="0"/>
               </a:rPr>
               <a:t>PD</a:t>
             </a:r>
             <a:r>
-              <a:rPr lang="en-GB" dirty="0">
-                <a:latin typeface="Palatino Linotype" panose="02040502050505030304" pitchFamily="18" charset="0"/>
+              <a:rPr lang="en-GB" sz="2900" dirty="0">
+                <a:latin typeface="Book Antiqua" panose="02040602050305030304" pitchFamily="18" charset="0"/>
               </a:rPr>
               <a:t> proposes a hypothesis that monkeys may, in some cases, be like poor learners in the human expt. </a:t>
             </a:r>
           </a:p>
           <a:p>
-            <a:r>
-              <a:rPr lang="en-GB" dirty="0">
-                <a:latin typeface="Palatino Linotype" panose="02040502050505030304" pitchFamily="18" charset="0"/>
+            <a:pPr>
+              <a:lnSpc>
+                <a:spcPct val="170000"/>
+              </a:lnSpc>
+            </a:pPr>
+            <a:r>
+              <a:rPr lang="en-GB" sz="2900" dirty="0">
+                <a:latin typeface="Book Antiqua" panose="02040602050305030304" pitchFamily="18" charset="0"/>
               </a:rPr>
               <a:t>There is the potential, if this is the case, that we can say something interesting about AI across species and the role of the AI in this system, for example in its role in the implementation of shifts and resets</a:t>
             </a:r>
